--- a/soutenance.pptx
+++ b/soutenance.pptx
@@ -555,7 +555,7 @@
           <c:smooth val="1"/>
           <c:extLst>
             <c:ext xmlns:c16="http://schemas.microsoft.com/office/drawing/2014/chart" uri="{C3380CC4-5D6E-409C-BE32-E72D297353CC}">
-              <c16:uniqueId val="{00000000-C49C-4BFC-A961-CFAB58473D0B}"/>
+              <c16:uniqueId val="{00000000-F86E-48D6-9B3E-EE89982C909B}"/>
             </c:ext>
           </c:extLst>
         </c:ser>
@@ -916,7 +916,7 @@
           <c:smooth val="1"/>
           <c:extLst>
             <c:ext xmlns:c16="http://schemas.microsoft.com/office/drawing/2014/chart" uri="{C3380CC4-5D6E-409C-BE32-E72D297353CC}">
-              <c16:uniqueId val="{00000001-C49C-4BFC-A961-CFAB58473D0B}"/>
+              <c16:uniqueId val="{00000001-F86E-48D6-9B3E-EE89982C909B}"/>
             </c:ext>
           </c:extLst>
         </c:ser>
@@ -924,7 +924,7 @@
           <c:idx val="2"/>
           <c:order val="2"/>
           <c:tx>
-            <c:v>AC_Alea</c:v>
+            <c:v>FC_Alea</c:v>
           </c:tx>
           <c:spPr>
             <a:ln w="19050" cap="rnd">
@@ -1277,7 +1277,7 @@
           <c:smooth val="1"/>
           <c:extLst>
             <c:ext xmlns:c16="http://schemas.microsoft.com/office/drawing/2014/chart" uri="{C3380CC4-5D6E-409C-BE32-E72D297353CC}">
-              <c16:uniqueId val="{00000002-C49C-4BFC-A961-CFAB58473D0B}"/>
+              <c16:uniqueId val="{00000002-F86E-48D6-9B3E-EE89982C909B}"/>
             </c:ext>
           </c:extLst>
         </c:ser>
@@ -1638,7 +1638,7 @@
           <c:smooth val="1"/>
           <c:extLst>
             <c:ext xmlns:c16="http://schemas.microsoft.com/office/drawing/2014/chart" uri="{C3380CC4-5D6E-409C-BE32-E72D297353CC}">
-              <c16:uniqueId val="{00000003-C49C-4BFC-A961-CFAB58473D0B}"/>
+              <c16:uniqueId val="{00000003-F86E-48D6-9B3E-EE89982C909B}"/>
             </c:ext>
           </c:extLst>
         </c:ser>
@@ -1777,7 +1777,7 @@
         <c:scaling>
           <c:orientation val="minMax"/>
           <c:max val="25"/>
-          <c:min val="0"/>
+          <c:min val="-5"/>
         </c:scaling>
         <c:delete val="0"/>
         <c:axPos val="l"/>
@@ -4896,8 +4896,17 @@
               </a:defRPr>
             </a:pPr>
             <a:r>
-              <a:rPr lang="fr-FR" sz="1800"/>
-              <a:t>Nombre d'échecs pour les N reines</a:t>
+              <a:rPr lang="fr-FR" sz="1800" dirty="0"/>
+              <a:t>Nombre d'échecs</a:t>
+            </a:r>
+          </a:p>
+          <a:p>
+            <a:pPr>
+              <a:defRPr sz="1800"/>
+            </a:pPr>
+            <a:r>
+              <a:rPr lang="fr-FR" sz="1800" dirty="0"/>
+              <a:t> pour les N reines</a:t>
             </a:r>
           </a:p>
         </c:rich>
@@ -5276,7 +5285,7 @@
           <c:smooth val="1"/>
           <c:extLst>
             <c:ext xmlns:c16="http://schemas.microsoft.com/office/drawing/2014/chart" uri="{C3380CC4-5D6E-409C-BE32-E72D297353CC}">
-              <c16:uniqueId val="{00000000-8056-4FED-8748-4051D8E697E0}"/>
+              <c16:uniqueId val="{00000000-0C92-4004-8B22-46B583B1E19F}"/>
             </c:ext>
           </c:extLst>
         </c:ser>
@@ -5619,7 +5628,7 @@
           <c:smooth val="1"/>
           <c:extLst>
             <c:ext xmlns:c16="http://schemas.microsoft.com/office/drawing/2014/chart" uri="{C3380CC4-5D6E-409C-BE32-E72D297353CC}">
-              <c16:uniqueId val="{00000001-8056-4FED-8748-4051D8E697E0}"/>
+              <c16:uniqueId val="{00000001-0C92-4004-8B22-46B583B1E19F}"/>
             </c:ext>
           </c:extLst>
         </c:ser>
@@ -5627,7 +5636,7 @@
           <c:idx val="2"/>
           <c:order val="2"/>
           <c:tx>
-            <c:v>AC_Alea</c:v>
+            <c:v>FC_Alea</c:v>
           </c:tx>
           <c:spPr>
             <a:ln w="19050" cap="rnd">
@@ -5974,7 +5983,7 @@
           <c:smooth val="1"/>
           <c:extLst>
             <c:ext xmlns:c16="http://schemas.microsoft.com/office/drawing/2014/chart" uri="{C3380CC4-5D6E-409C-BE32-E72D297353CC}">
-              <c16:uniqueId val="{00000002-8056-4FED-8748-4051D8E697E0}"/>
+              <c16:uniqueId val="{00000002-0C92-4004-8B22-46B583B1E19F}"/>
             </c:ext>
           </c:extLst>
         </c:ser>
@@ -6335,7 +6344,7 @@
           <c:smooth val="1"/>
           <c:extLst>
             <c:ext xmlns:c16="http://schemas.microsoft.com/office/drawing/2014/chart" uri="{C3380CC4-5D6E-409C-BE32-E72D297353CC}">
-              <c16:uniqueId val="{00000003-8056-4FED-8748-4051D8E697E0}"/>
+              <c16:uniqueId val="{00000003-0C92-4004-8B22-46B583B1E19F}"/>
             </c:ext>
           </c:extLst>
         </c:ser>
@@ -26035,7 +26044,7 @@
             <p:ph sz="half" idx="2"/>
             <p:extLst>
               <p:ext uri="{D42A27DB-BD31-4B8C-83A1-F6EECF244321}">
-                <p14:modId xmlns:p14="http://schemas.microsoft.com/office/powerpoint/2010/main" val="4116002247"/>
+                <p14:modId xmlns:p14="http://schemas.microsoft.com/office/powerpoint/2010/main" val="3261632853"/>
               </p:ext>
             </p:extLst>
           </p:nvPr>
@@ -26405,7 +26414,7 @@
       </p:sp>
       <p:graphicFrame>
         <p:nvGraphicFramePr>
-          <p:cNvPr id="6" name="Chart 1">
+          <p:cNvPr id="8" name="Chart 1">
             <a:extLst>
               <a:ext uri="{FF2B5EF4-FFF2-40B4-BE49-F238E27FC236}">
                 <a16:creationId xmlns:a16="http://schemas.microsoft.com/office/drawing/2014/main" id="{7364BE9D-96F9-4696-BE03-676D85E2FABF}"/>
@@ -26419,14 +26428,14 @@
             <p:ph sz="half" idx="1"/>
             <p:extLst>
               <p:ext uri="{D42A27DB-BD31-4B8C-83A1-F6EECF244321}">
-                <p14:modId xmlns:p14="http://schemas.microsoft.com/office/powerpoint/2010/main" val="2410693929"/>
+                <p14:modId xmlns:p14="http://schemas.microsoft.com/office/powerpoint/2010/main" val="1470689189"/>
               </p:ext>
             </p:extLst>
           </p:nvPr>
         </p:nvGraphicFramePr>
         <p:xfrm>
-          <a:off x="1128713" y="1788168"/>
-          <a:ext cx="4645025" cy="3671246"/>
+          <a:off x="1128713" y="1795244"/>
+          <a:ext cx="4645025" cy="3664169"/>
         </p:xfrm>
         <a:graphic>
           <a:graphicData uri="http://schemas.openxmlformats.org/drawingml/2006/chart">
@@ -26436,7 +26445,7 @@
       </p:graphicFrame>
       <p:graphicFrame>
         <p:nvGraphicFramePr>
-          <p:cNvPr id="7" name="Chart 2">
+          <p:cNvPr id="10" name="Chart 2">
             <a:extLst>
               <a:ext uri="{FF2B5EF4-FFF2-40B4-BE49-F238E27FC236}">
                 <a16:creationId xmlns:a16="http://schemas.microsoft.com/office/drawing/2014/main" id="{C4AD3D92-E5C3-4B3D-8BBA-C924A05A4598}"/>
@@ -26450,7 +26459,7 @@
             <p:ph sz="half" idx="2"/>
             <p:extLst>
               <p:ext uri="{D42A27DB-BD31-4B8C-83A1-F6EECF244321}">
-                <p14:modId xmlns:p14="http://schemas.microsoft.com/office/powerpoint/2010/main" val="823811023"/>
+                <p14:modId xmlns:p14="http://schemas.microsoft.com/office/powerpoint/2010/main" val="3282178705"/>
               </p:ext>
             </p:extLst>
           </p:nvPr>
@@ -27203,10 +27212,9 @@
           <a:lstStyle/>
           <a:p>
             <a:r>
-              <a:rPr lang="fr-FR"/>
-              <a:t>Conclusion</a:t>
+              <a:rPr lang="fr-FR" dirty="0"/>
+              <a:t>Questions ? </a:t>
             </a:r>
-            <a:endParaRPr lang="fr-FR" dirty="0"/>
           </a:p>
         </p:txBody>
       </p:sp>
